--- a/week39/Wednesday/slides.pptx
+++ b/week39/Wednesday/slides.pptx
@@ -2209,10 +2209,10 @@
         <a:lstStyle/>
         <a:p>
           <a:r>
-            <a:rPr lang="en-GB" b="0" i="0"/>
+            <a:rPr lang="en-GB" b="0" i="0" dirty="0"/>
             <a:t>Medicine: Population genetics can be used to identify genetic variants that are associated with diseases, and to develop new diagnostic tests and treatments.</a:t>
           </a:r>
-          <a:endParaRPr lang="en-US"/>
+          <a:endParaRPr lang="en-US" dirty="0"/>
         </a:p>
       </dgm:t>
     </dgm:pt>
@@ -3113,10 +3113,10 @@
             <a:buNone/>
           </a:pPr>
           <a:r>
-            <a:rPr lang="en-GB" sz="1700" b="0" i="0" kern="1200"/>
+            <a:rPr lang="en-GB" sz="1700" b="0" i="0" kern="1200" dirty="0"/>
             <a:t>Medicine: Population genetics can be used to identify genetic variants that are associated with diseases, and to develop new diagnostic tests and treatments.</a:t>
           </a:r>
-          <a:endParaRPr lang="en-US" sz="1700" kern="1200"/>
+          <a:endParaRPr lang="en-US" sz="1700" kern="1200" dirty="0"/>
         </a:p>
       </dsp:txBody>
       <dsp:txXfrm>
@@ -6835,7 +6835,7 @@
             <a:fld id="{78417F83-4CBA-48F2-BAD0-783AE3701E32}" type="datetimeFigureOut">
               <a:rPr lang="en-GB" smtClean="0"/>
               <a:pPr/>
-              <a:t>19/09/2024</a:t>
+              <a:t>25/09/2024</a:t>
             </a:fld>
             <a:r>
               <a:rPr lang="en-GB" dirty="0"/>
@@ -7045,7 +7045,7 @@
             <a:fld id="{78417F83-4CBA-48F2-BAD0-783AE3701E32}" type="datetimeFigureOut">
               <a:rPr lang="en-GB" smtClean="0"/>
               <a:pPr/>
-              <a:t>19/09/2024</a:t>
+              <a:t>25/09/2024</a:t>
             </a:fld>
             <a:r>
               <a:rPr lang="en-GB" dirty="0"/>
@@ -7286,7 +7286,7 @@
             <a:fld id="{78417F83-4CBA-48F2-BAD0-783AE3701E32}" type="datetimeFigureOut">
               <a:rPr lang="en-GB" smtClean="0"/>
               <a:pPr/>
-              <a:t>19/09/2024</a:t>
+              <a:t>25/09/2024</a:t>
             </a:fld>
             <a:r>
               <a:rPr lang="en-GB" dirty="0"/>
@@ -7456,7 +7456,7 @@
             <a:fld id="{78417F83-4CBA-48F2-BAD0-783AE3701E32}" type="datetimeFigureOut">
               <a:rPr lang="en-GB" smtClean="0"/>
               <a:pPr/>
-              <a:t>19/09/2024</a:t>
+              <a:t>25/09/2024</a:t>
             </a:fld>
             <a:r>
               <a:rPr lang="en-GB" dirty="0"/>
@@ -7630,7 +7630,7 @@
             <a:fld id="{78417F83-4CBA-48F2-BAD0-783AE3701E32}" type="datetimeFigureOut">
               <a:rPr lang="en-GB" smtClean="0"/>
               <a:pPr/>
-              <a:t>19/09/2024</a:t>
+              <a:t>25/09/2024</a:t>
             </a:fld>
             <a:r>
               <a:rPr lang="en-GB" dirty="0"/>
@@ -7967,7 +7967,7 @@
             <a:fld id="{78417F83-4CBA-48F2-BAD0-783AE3701E32}" type="datetimeFigureOut">
               <a:rPr lang="en-GB" smtClean="0"/>
               <a:pPr/>
-              <a:t>19/09/2024</a:t>
+              <a:t>25/09/2024</a:t>
             </a:fld>
             <a:r>
               <a:rPr lang="en-GB" dirty="0"/>
@@ -8138,7 +8138,7 @@
             <a:fld id="{78417F83-4CBA-48F2-BAD0-783AE3701E32}" type="datetimeFigureOut">
               <a:rPr lang="en-GB" smtClean="0"/>
               <a:pPr/>
-              <a:t>19/09/2024</a:t>
+              <a:t>25/09/2024</a:t>
             </a:fld>
             <a:r>
               <a:rPr lang="en-GB" dirty="0"/>
@@ -8334,7 +8334,7 @@
             <a:fld id="{78417F83-4CBA-48F2-BAD0-783AE3701E32}" type="datetimeFigureOut">
               <a:rPr lang="en-GB" smtClean="0"/>
               <a:pPr/>
-              <a:t>19/09/2024</a:t>
+              <a:t>25/09/2024</a:t>
             </a:fld>
             <a:r>
               <a:rPr lang="en-GB" dirty="0"/>
@@ -8503,7 +8503,7 @@
             <a:fld id="{78417F83-4CBA-48F2-BAD0-783AE3701E32}" type="datetimeFigureOut">
               <a:rPr lang="en-GB" smtClean="0"/>
               <a:pPr/>
-              <a:t>19/09/2024</a:t>
+              <a:t>25/09/2024</a:t>
             </a:fld>
             <a:r>
               <a:rPr lang="en-GB" dirty="0"/>
@@ -8657,7 +8657,7 @@
             <a:fld id="{78417F83-4CBA-48F2-BAD0-783AE3701E32}" type="datetimeFigureOut">
               <a:rPr lang="en-GB" smtClean="0"/>
               <a:pPr/>
-              <a:t>19/09/2024</a:t>
+              <a:t>25/09/2024</a:t>
             </a:fld>
             <a:r>
               <a:rPr lang="en-GB" dirty="0"/>
@@ -9546,7 +9546,7 @@
             <a:fld id="{78417F83-4CBA-48F2-BAD0-783AE3701E32}" type="datetimeFigureOut">
               <a:rPr lang="en-GB" smtClean="0"/>
               <a:pPr/>
-              <a:t>19/09/2024</a:t>
+              <a:t>25/09/2024</a:t>
             </a:fld>
             <a:r>
               <a:rPr lang="en-GB" dirty="0"/>
@@ -10362,7 +10362,7 @@
             <a:fld id="{78417F83-4CBA-48F2-BAD0-783AE3701E32}" type="datetimeFigureOut">
               <a:rPr lang="en-GB" smtClean="0"/>
               <a:pPr/>
-              <a:t>19/09/2024</a:t>
+              <a:t>25/09/2024</a:t>
             </a:fld>
             <a:r>
               <a:rPr lang="en-GB" dirty="0"/>
@@ -10592,7 +10592,7 @@
             <a:fld id="{78417F83-4CBA-48F2-BAD0-783AE3701E32}" type="datetimeFigureOut">
               <a:rPr lang="en-GB" smtClean="0"/>
               <a:pPr/>
-              <a:t>19/09/2024</a:t>
+              <a:t>25/09/2024</a:t>
             </a:fld>
             <a:r>
               <a:rPr lang="en-GB" dirty="0"/>
@@ -11298,7 +11298,7 @@
             <a:fld id="{78417F83-4CBA-48F2-BAD0-783AE3701E32}" type="datetimeFigureOut">
               <a:rPr lang="en-GB" smtClean="0"/>
               <a:pPr/>
-              <a:t>19/09/2024</a:t>
+              <a:t>25/09/2024</a:t>
             </a:fld>
             <a:r>
               <a:rPr lang="en-GB" dirty="0"/>
@@ -11589,7 +11589,7 @@
             <a:fld id="{78417F83-4CBA-48F2-BAD0-783AE3701E32}" type="datetimeFigureOut">
               <a:rPr lang="en-GB" smtClean="0"/>
               <a:pPr/>
-              <a:t>19/09/2024</a:t>
+              <a:t>25/09/2024</a:t>
             </a:fld>
             <a:r>
               <a:rPr lang="en-GB" dirty="0"/>
@@ -11963,7 +11963,7 @@
             <a:fld id="{78417F83-4CBA-48F2-BAD0-783AE3701E32}" type="datetimeFigureOut">
               <a:rPr lang="en-GB" smtClean="0"/>
               <a:pPr/>
-              <a:t>19/09/2024</a:t>
+              <a:t>25/09/2024</a:t>
             </a:fld>
             <a:r>
               <a:rPr lang="en-GB" dirty="0"/>
@@ -12390,7 +12390,7 @@
             <a:fld id="{78417F83-4CBA-48F2-BAD0-783AE3701E32}" type="datetimeFigureOut">
               <a:rPr lang="en-GB" smtClean="0"/>
               <a:pPr/>
-              <a:t>19/09/2024</a:t>
+              <a:t>25/09/2024</a:t>
             </a:fld>
             <a:r>
               <a:rPr lang="en-GB" dirty="0"/>
@@ -12830,7 +12830,7 @@
             <a:fld id="{78417F83-4CBA-48F2-BAD0-783AE3701E32}" type="datetimeFigureOut">
               <a:rPr lang="en-GB" smtClean="0"/>
               <a:pPr/>
-              <a:t>19/09/2024</a:t>
+              <a:t>25/09/2024</a:t>
             </a:fld>
             <a:r>
               <a:rPr lang="en-GB" dirty="0"/>
@@ -12998,7 +12998,7 @@
             <a:fld id="{78417F83-4CBA-48F2-BAD0-783AE3701E32}" type="datetimeFigureOut">
               <a:rPr lang="en-GB" smtClean="0"/>
               <a:pPr/>
-              <a:t>19/09/2024</a:t>
+              <a:t>25/09/2024</a:t>
             </a:fld>
             <a:r>
               <a:rPr lang="en-GB" dirty="0"/>
@@ -13179,7 +13179,7 @@
             <a:fld id="{78417F83-4CBA-48F2-BAD0-783AE3701E32}" type="datetimeFigureOut">
               <a:rPr lang="en-GB" smtClean="0"/>
               <a:pPr/>
-              <a:t>19/09/2024</a:t>
+              <a:t>25/09/2024</a:t>
             </a:fld>
             <a:r>
               <a:rPr lang="en-GB" dirty="0"/>
@@ -13725,7 +13725,7 @@
             <a:fld id="{78417F83-4CBA-48F2-BAD0-783AE3701E32}" type="datetimeFigureOut">
               <a:rPr lang="en-GB" smtClean="0"/>
               <a:pPr/>
-              <a:t>19/09/2024</a:t>
+              <a:t>25/09/2024</a:t>
             </a:fld>
             <a:r>
               <a:rPr lang="en-GB"/>
@@ -14489,7 +14489,7 @@
           <a:p>
             <a:fld id="{092C24C3-F60C-9B48-8010-9F289C34816E}" type="datetime1">
               <a:rPr lang="en-GB" smtClean="0"/>
-              <a:t>19/09/2024</a:t>
+              <a:t>25/09/2024</a:t>
             </a:fld>
             <a:r>
               <a:rPr lang="en-GB"/>
@@ -17026,7 +17026,7 @@
           <a:p>
             <a:fld id="{092C24C3-F60C-9B48-8010-9F289C34816E}" type="datetime1">
               <a:rPr lang="en-GB" smtClean="0"/>
-              <a:t>19/09/2024</a:t>
+              <a:t>25/09/2024</a:t>
             </a:fld>
             <a:r>
               <a:rPr lang="en-GB"/>
@@ -19511,7 +19511,7 @@
         <p:spPr>
           <a:xfrm>
             <a:off x="7537430" y="2384348"/>
-            <a:ext cx="4024243" cy="467820"/>
+            <a:ext cx="4375300" cy="467820"/>
           </a:xfrm>
           <a:prstGeom prst="rect">
             <a:avLst/>
@@ -19533,8 +19533,35 @@
               <a:rPr lang="en-DK" sz="1600" dirty="0">
                 <a:latin typeface="+mn-lt"/>
               </a:rPr>
-              <a:t>What is the probability that any 2 individuals</a:t>
+              <a:t>What is the probability </a:t>
             </a:r>
+            <a:r>
+              <a:rPr lang="en-DK" sz="1600">
+                <a:latin typeface="+mn-lt"/>
+              </a:rPr>
+              <a:t>that 2 </a:t>
+            </a:r>
+            <a:r>
+              <a:rPr lang="de-DE" sz="1600" dirty="0" err="1">
+                <a:latin typeface="+mn-lt"/>
+              </a:rPr>
+              <a:t>specific</a:t>
+            </a:r>
+            <a:r>
+              <a:rPr lang="de-DE" sz="1600" dirty="0">
+                <a:latin typeface="+mn-lt"/>
+              </a:rPr>
+              <a:t> </a:t>
+            </a:r>
+            <a:r>
+              <a:rPr lang="en-DK" sz="1600">
+                <a:latin typeface="+mn-lt"/>
+              </a:rPr>
+              <a:t>individuals</a:t>
+            </a:r>
+            <a:endParaRPr lang="en-DK" sz="1600" dirty="0">
+              <a:latin typeface="+mn-lt"/>
+            </a:endParaRPr>
           </a:p>
           <a:p>
             <a:pPr>
@@ -20109,7 +20136,7 @@
           <a:p>
             <a:fld id="{092C24C3-F60C-9B48-8010-9F289C34816E}" type="datetime1">
               <a:rPr lang="en-GB" smtClean="0"/>
-              <a:t>19/09/2024</a:t>
+              <a:t>25/09/2024</a:t>
             </a:fld>
             <a:r>
               <a:rPr lang="en-GB"/>
@@ -22629,13 +22656,19 @@
               <a:rPr lang="en-GB" sz="1600" dirty="0">
                 <a:latin typeface="+mn-lt"/>
               </a:rPr>
-              <a:t>I</a:t>
+              <a:t>i</a:t>
+            </a:r>
+            <a:r>
+              <a:rPr lang="en-DK" sz="1600">
+                <a:latin typeface="+mn-lt"/>
+              </a:rPr>
+              <a:t>s </a:t>
             </a:r>
             <a:r>
               <a:rPr lang="en-DK" sz="1600" dirty="0">
                 <a:latin typeface="+mn-lt"/>
               </a:rPr>
-              <a:t>s geometrically distributed</a:t>
+              <a:t>geometrically distributed</a:t>
             </a:r>
           </a:p>
           <a:p>
@@ -22655,10 +22688,28 @@
               </a:lnSpc>
             </a:pPr>
             <a:r>
+              <a:rPr lang="en-DK" sz="1600">
+                <a:latin typeface="+mn-lt"/>
+              </a:rPr>
+              <a:t>An</a:t>
+            </a:r>
+            <a:r>
+              <a:rPr lang="de-DE" sz="1600" dirty="0">
+                <a:latin typeface="+mn-lt"/>
+              </a:rPr>
+              <a:t> </a:t>
+            </a:r>
+            <a:r>
+              <a:rPr lang="en-DK" sz="1600">
+                <a:latin typeface="+mn-lt"/>
+              </a:rPr>
+              <a:t>analogy </a:t>
+            </a:r>
+            <a:r>
               <a:rPr lang="en-DK" sz="1600" dirty="0">
                 <a:latin typeface="+mn-lt"/>
               </a:rPr>
-              <a:t>Ananalogy might help understand </a:t>
+              <a:t>might help understand </a:t>
             </a:r>
           </a:p>
         </p:txBody>
@@ -22802,7 +22853,7 @@
                   <a:spcPts val="600"/>
                 </a:spcAft>
               </a:pPr>
-              <a:t>19/09/2024</a:t>
+              <a:t>25/09/2024</a:t>
             </a:fld>
             <a:r>
               <a:rPr lang="en-GB"/>
@@ -23129,18 +23180,6 @@
                   <a:rPr lang="de-DE" sz="1200" dirty="0">
                     <a:latin typeface="+mn-lt"/>
                   </a:rPr>
-                  <a:t> </a:t>
-                </a:r>
-                <a:r>
-                  <a:rPr lang="de-DE" sz="1200" dirty="0" err="1">
-                    <a:latin typeface="+mn-lt"/>
-                  </a:rPr>
-                  <a:t>the</a:t>
-                </a:r>
-                <a:r>
-                  <a:rPr lang="de-DE" sz="1200" dirty="0">
-                    <a:latin typeface="+mn-lt"/>
-                  </a:rPr>
                   <a:t> large N</a:t>
                 </a:r>
               </a:p>
@@ -23678,7 +23717,7 @@
           <a:p>
             <a:fld id="{E98E7081-0DED-6C4A-8699-E99DC821817B}" type="datetime1">
               <a:rPr lang="en-GB" smtClean="0"/>
-              <a:t>19/09/2024</a:t>
+              <a:t>25/09/2024</a:t>
             </a:fld>
             <a:r>
               <a:rPr lang="en-GB"/>
@@ -23716,7 +23755,7 @@
         </p:blipFill>
         <p:spPr>
           <a:xfrm>
-            <a:off x="3934172" y="1373021"/>
+            <a:off x="3862164" y="1772816"/>
             <a:ext cx="4687168" cy="4687168"/>
           </a:xfrm>
           <a:prstGeom prst="rect">
@@ -23858,7 +23897,7 @@
                   <a:spcPts val="600"/>
                 </a:spcAft>
               </a:pPr>
-              <a:t>19/09/2024</a:t>
+              <a:t>25/09/2024</a:t>
             </a:fld>
             <a:r>
               <a:rPr lang="en-GB"/>
@@ -23988,7 +24027,7 @@
           <a:p>
             <a:fld id="{51C6BD96-76D1-194A-8ADF-C5AE525520A5}" type="datetime1">
               <a:rPr lang="en-GB" smtClean="0"/>
-              <a:t>19/09/2024</a:t>
+              <a:t>25/09/2024</a:t>
             </a:fld>
             <a:r>
               <a:rPr lang="en-GB"/>
@@ -24302,7 +24341,7 @@
           <a:p>
             <a:fld id="{092C24C3-F60C-9B48-8010-9F289C34816E}" type="datetime1">
               <a:rPr lang="en-GB" smtClean="0"/>
-              <a:t>19/09/2024</a:t>
+              <a:t>25/09/2024</a:t>
             </a:fld>
             <a:r>
               <a:rPr lang="en-GB"/>
@@ -28220,7 +28259,7 @@
           <a:p>
             <a:fld id="{092C24C3-F60C-9B48-8010-9F289C34816E}" type="datetime1">
               <a:rPr lang="en-GB" smtClean="0"/>
-              <a:t>19/09/2024</a:t>
+              <a:t>25/09/2024</a:t>
             </a:fld>
             <a:r>
               <a:rPr lang="en-GB"/>
@@ -33360,7 +33399,7 @@
           <a:p>
             <a:fld id="{092C24C3-F60C-9B48-8010-9F289C34816E}" type="datetime1">
               <a:rPr lang="en-GB" smtClean="0"/>
-              <a:t>19/09/2024</a:t>
+              <a:t>25/09/2024</a:t>
             </a:fld>
             <a:r>
               <a:rPr lang="en-GB"/>
@@ -36196,7 +36235,7 @@
           <a:p>
             <a:fld id="{092C24C3-F60C-9B48-8010-9F289C34816E}" type="datetime1">
               <a:rPr lang="en-GB" smtClean="0"/>
-              <a:t>19/09/2024</a:t>
+              <a:t>25/09/2024</a:t>
             </a:fld>
             <a:r>
               <a:rPr lang="en-GB"/>
@@ -37165,7 +37204,7 @@
           <a:p>
             <a:fld id="{092C24C3-F60C-9B48-8010-9F289C34816E}" type="datetime1">
               <a:rPr lang="en-GB" smtClean="0"/>
-              <a:t>19/09/2024</a:t>
+              <a:t>25/09/2024</a:t>
             </a:fld>
             <a:r>
               <a:rPr lang="en-GB"/>
@@ -39702,7 +39741,7 @@
           <a:p>
             <a:fld id="{092C24C3-F60C-9B48-8010-9F289C34816E}" type="datetime1">
               <a:rPr lang="en-GB" smtClean="0"/>
-              <a:t>19/09/2024</a:t>
+              <a:t>25/09/2024</a:t>
             </a:fld>
             <a:r>
               <a:rPr lang="en-GB"/>
